--- a/内存管理.pptx
+++ b/内存管理.pptx
@@ -6,6 +6,7 @@
   </p:sldMasterIdLst>
   <p:sldIdLst>
     <p:sldId id="256" r:id="rId2"/>
+    <p:sldId id="257" r:id="rId3"/>
   </p:sldIdLst>
   <p:sldSz cx="9144000" cy="6858000" type="screen4x3"/>
   <p:notesSz cx="6858000" cy="9144000"/>
@@ -288,7 +289,7 @@
           <a:p>
             <a:fld id="{5C739BC7-98E1-EE46-8899-F909A6AF4C67}" type="datetimeFigureOut">
               <a:rPr kumimoji="1" lang="zh-CN" altLang="en-US" smtClean="0"/>
-              <a:t>19/3/20</a:t>
+              <a:t>19/3/21</a:t>
             </a:fld>
             <a:endParaRPr kumimoji="1" lang="zh-CN" altLang="en-US"/>
           </a:p>
@@ -458,7 +459,7 @@
           <a:p>
             <a:fld id="{5C739BC7-98E1-EE46-8899-F909A6AF4C67}" type="datetimeFigureOut">
               <a:rPr kumimoji="1" lang="zh-CN" altLang="en-US" smtClean="0"/>
-              <a:t>19/3/20</a:t>
+              <a:t>19/3/21</a:t>
             </a:fld>
             <a:endParaRPr kumimoji="1" lang="zh-CN" altLang="en-US"/>
           </a:p>
@@ -638,7 +639,7 @@
           <a:p>
             <a:fld id="{5C739BC7-98E1-EE46-8899-F909A6AF4C67}" type="datetimeFigureOut">
               <a:rPr kumimoji="1" lang="zh-CN" altLang="en-US" smtClean="0"/>
-              <a:t>19/3/20</a:t>
+              <a:t>19/3/21</a:t>
             </a:fld>
             <a:endParaRPr kumimoji="1" lang="zh-CN" altLang="en-US"/>
           </a:p>
@@ -808,7 +809,7 @@
           <a:p>
             <a:fld id="{5C739BC7-98E1-EE46-8899-F909A6AF4C67}" type="datetimeFigureOut">
               <a:rPr kumimoji="1" lang="zh-CN" altLang="en-US" smtClean="0"/>
-              <a:t>19/3/20</a:t>
+              <a:t>19/3/21</a:t>
             </a:fld>
             <a:endParaRPr kumimoji="1" lang="zh-CN" altLang="en-US"/>
           </a:p>
@@ -1054,7 +1055,7 @@
           <a:p>
             <a:fld id="{5C739BC7-98E1-EE46-8899-F909A6AF4C67}" type="datetimeFigureOut">
               <a:rPr kumimoji="1" lang="zh-CN" altLang="en-US" smtClean="0"/>
-              <a:t>19/3/20</a:t>
+              <a:t>19/3/21</a:t>
             </a:fld>
             <a:endParaRPr kumimoji="1" lang="zh-CN" altLang="en-US"/>
           </a:p>
@@ -1342,7 +1343,7 @@
           <a:p>
             <a:fld id="{5C739BC7-98E1-EE46-8899-F909A6AF4C67}" type="datetimeFigureOut">
               <a:rPr kumimoji="1" lang="zh-CN" altLang="en-US" smtClean="0"/>
-              <a:t>19/3/20</a:t>
+              <a:t>19/3/21</a:t>
             </a:fld>
             <a:endParaRPr kumimoji="1" lang="zh-CN" altLang="en-US"/>
           </a:p>
@@ -1764,7 +1765,7 @@
           <a:p>
             <a:fld id="{5C739BC7-98E1-EE46-8899-F909A6AF4C67}" type="datetimeFigureOut">
               <a:rPr kumimoji="1" lang="zh-CN" altLang="en-US" smtClean="0"/>
-              <a:t>19/3/20</a:t>
+              <a:t>19/3/21</a:t>
             </a:fld>
             <a:endParaRPr kumimoji="1" lang="zh-CN" altLang="en-US"/>
           </a:p>
@@ -1882,7 +1883,7 @@
           <a:p>
             <a:fld id="{5C739BC7-98E1-EE46-8899-F909A6AF4C67}" type="datetimeFigureOut">
               <a:rPr kumimoji="1" lang="zh-CN" altLang="en-US" smtClean="0"/>
-              <a:t>19/3/20</a:t>
+              <a:t>19/3/21</a:t>
             </a:fld>
             <a:endParaRPr kumimoji="1" lang="zh-CN" altLang="en-US"/>
           </a:p>
@@ -1977,7 +1978,7 @@
           <a:p>
             <a:fld id="{5C739BC7-98E1-EE46-8899-F909A6AF4C67}" type="datetimeFigureOut">
               <a:rPr kumimoji="1" lang="zh-CN" altLang="en-US" smtClean="0"/>
-              <a:t>19/3/20</a:t>
+              <a:t>19/3/21</a:t>
             </a:fld>
             <a:endParaRPr kumimoji="1" lang="zh-CN" altLang="en-US"/>
           </a:p>
@@ -2254,7 +2255,7 @@
           <a:p>
             <a:fld id="{5C739BC7-98E1-EE46-8899-F909A6AF4C67}" type="datetimeFigureOut">
               <a:rPr kumimoji="1" lang="zh-CN" altLang="en-US" smtClean="0"/>
-              <a:t>19/3/20</a:t>
+              <a:t>19/3/21</a:t>
             </a:fld>
             <a:endParaRPr kumimoji="1" lang="zh-CN" altLang="en-US"/>
           </a:p>
@@ -2507,7 +2508,7 @@
           <a:p>
             <a:fld id="{5C739BC7-98E1-EE46-8899-F909A6AF4C67}" type="datetimeFigureOut">
               <a:rPr kumimoji="1" lang="zh-CN" altLang="en-US" smtClean="0"/>
-              <a:t>19/3/20</a:t>
+              <a:t>19/3/21</a:t>
             </a:fld>
             <a:endParaRPr kumimoji="1" lang="zh-CN" altLang="en-US"/>
           </a:p>
@@ -2720,7 +2721,7 @@
           <a:p>
             <a:fld id="{5C739BC7-98E1-EE46-8899-F909A6AF4C67}" type="datetimeFigureOut">
               <a:rPr kumimoji="1" lang="zh-CN" altLang="en-US" smtClean="0"/>
-              <a:t>19/3/20</a:t>
+              <a:t>19/3/21</a:t>
             </a:fld>
             <a:endParaRPr kumimoji="1" lang="zh-CN" altLang="en-US"/>
           </a:p>
@@ -3743,6 +3744,1392 @@
     <p:extLst>
       <p:ext uri="{BB962C8B-B14F-4D97-AF65-F5344CB8AC3E}">
         <p14:creationId xmlns:p14="http://schemas.microsoft.com/office/powerpoint/2010/main" val="2372760994"/>
+      </p:ext>
+    </p:extLst>
+  </p:cSld>
+  <p:clrMapOvr>
+    <a:masterClrMapping/>
+  </p:clrMapOvr>
+  <p:timing>
+    <p:tnLst>
+      <p:par>
+        <p:cTn xmlns:p14="http://schemas.microsoft.com/office/powerpoint/2010/main" id="1" dur="indefinite" restart="never" nodeType="tmRoot"/>
+      </p:par>
+    </p:tnLst>
+  </p:timing>
+</p:sld>
+</file>
+
+<file path=ppt/slides/slide2.xml><?xml version="1.0" encoding="utf-8"?>
+<p:sld xmlns:a="http://schemas.openxmlformats.org/drawingml/2006/main" xmlns:r="http://schemas.openxmlformats.org/officeDocument/2006/relationships" xmlns:p="http://schemas.openxmlformats.org/presentationml/2006/main">
+  <p:cSld>
+    <p:spTree>
+      <p:nvGrpSpPr>
+        <p:cNvPr id="1" name=""/>
+        <p:cNvGrpSpPr/>
+        <p:nvPr/>
+      </p:nvGrpSpPr>
+      <p:grpSpPr>
+        <a:xfrm>
+          <a:off x="0" y="0"/>
+          <a:ext cx="0" cy="0"/>
+          <a:chOff x="0" y="0"/>
+          <a:chExt cx="0" cy="0"/>
+        </a:xfrm>
+      </p:grpSpPr>
+      <p:sp>
+        <p:nvSpPr>
+          <p:cNvPr id="4" name="下箭头 3"/>
+          <p:cNvSpPr/>
+          <p:nvPr/>
+        </p:nvSpPr>
+        <p:spPr>
+          <a:xfrm>
+            <a:off x="419944" y="164738"/>
+            <a:ext cx="789460" cy="6143831"/>
+          </a:xfrm>
+          <a:prstGeom prst="downArrow">
+            <a:avLst/>
+          </a:prstGeom>
+          <a:solidFill>
+            <a:schemeClr val="bg1">
+              <a:lumMod val="50000"/>
+            </a:schemeClr>
+          </a:solidFill>
+          <a:ln>
+            <a:solidFill>
+              <a:srgbClr val="7F7F7F"/>
+            </a:solidFill>
+          </a:ln>
+        </p:spPr>
+        <p:style>
+          <a:lnRef idx="1">
+            <a:schemeClr val="accent1"/>
+          </a:lnRef>
+          <a:fillRef idx="3">
+            <a:schemeClr val="accent1"/>
+          </a:fillRef>
+          <a:effectRef idx="2">
+            <a:schemeClr val="accent1"/>
+          </a:effectRef>
+          <a:fontRef idx="minor">
+            <a:schemeClr val="lt1"/>
+          </a:fontRef>
+        </p:style>
+        <p:txBody>
+          <a:bodyPr rtlCol="0" anchor="ctr"/>
+          <a:lstStyle/>
+          <a:p>
+            <a:pPr algn="ctr"/>
+            <a:r>
+              <a:rPr kumimoji="1" lang="zh-CN" altLang="en-US" dirty="0" smtClean="0"/>
+              <a:t>时间轴</a:t>
+            </a:r>
+            <a:endParaRPr kumimoji="1" lang="zh-CN" altLang="en-US" dirty="0"/>
+          </a:p>
+        </p:txBody>
+      </p:sp>
+      <p:sp>
+        <p:nvSpPr>
+          <p:cNvPr id="5" name="圆角矩形 4"/>
+          <p:cNvSpPr/>
+          <p:nvPr/>
+        </p:nvSpPr>
+        <p:spPr>
+          <a:xfrm>
+            <a:off x="1480831" y="350299"/>
+            <a:ext cx="891098" cy="491595"/>
+          </a:xfrm>
+          <a:prstGeom prst="roundRect">
+            <a:avLst/>
+          </a:prstGeom>
+        </p:spPr>
+        <p:style>
+          <a:lnRef idx="1">
+            <a:schemeClr val="accent1"/>
+          </a:lnRef>
+          <a:fillRef idx="3">
+            <a:schemeClr val="accent1"/>
+          </a:fillRef>
+          <a:effectRef idx="2">
+            <a:schemeClr val="accent1"/>
+          </a:effectRef>
+          <a:fontRef idx="minor">
+            <a:schemeClr val="lt1"/>
+          </a:fontRef>
+        </p:style>
+        <p:txBody>
+          <a:bodyPr rtlCol="0" anchor="ctr"/>
+          <a:lstStyle/>
+          <a:p>
+            <a:pPr algn="ctr"/>
+            <a:r>
+              <a:rPr kumimoji="1" lang="zh-CN" altLang="en-US" dirty="0" smtClean="0"/>
+              <a:t>对象</a:t>
+            </a:r>
+            <a:r>
+              <a:rPr kumimoji="1" lang="en-US" altLang="zh-CN" dirty="0" smtClean="0"/>
+              <a:t>A</a:t>
+            </a:r>
+            <a:endParaRPr kumimoji="1" lang="zh-CN" altLang="en-US" dirty="0"/>
+          </a:p>
+        </p:txBody>
+      </p:sp>
+      <p:sp>
+        <p:nvSpPr>
+          <p:cNvPr id="6" name="圆角矩形 5"/>
+          <p:cNvSpPr/>
+          <p:nvPr/>
+        </p:nvSpPr>
+        <p:spPr>
+          <a:xfrm>
+            <a:off x="4721348" y="443198"/>
+            <a:ext cx="891098" cy="491595"/>
+          </a:xfrm>
+          <a:prstGeom prst="roundRect">
+            <a:avLst/>
+          </a:prstGeom>
+        </p:spPr>
+        <p:style>
+          <a:lnRef idx="1">
+            <a:schemeClr val="accent1"/>
+          </a:lnRef>
+          <a:fillRef idx="3">
+            <a:schemeClr val="accent1"/>
+          </a:fillRef>
+          <a:effectRef idx="2">
+            <a:schemeClr val="accent1"/>
+          </a:effectRef>
+          <a:fontRef idx="minor">
+            <a:schemeClr val="lt1"/>
+          </a:fontRef>
+        </p:style>
+        <p:txBody>
+          <a:bodyPr rtlCol="0" anchor="ctr"/>
+          <a:lstStyle/>
+          <a:p>
+            <a:pPr algn="ctr"/>
+            <a:r>
+              <a:rPr kumimoji="1" lang="zh-CN" altLang="en-US" dirty="0" smtClean="0"/>
+              <a:t>对象</a:t>
+            </a:r>
+            <a:r>
+              <a:rPr kumimoji="1" lang="zh-CN" altLang="zh-CN" dirty="0"/>
+              <a:t>M</a:t>
+            </a:r>
+            <a:endParaRPr kumimoji="1" lang="zh-CN" altLang="en-US" dirty="0"/>
+          </a:p>
+        </p:txBody>
+      </p:sp>
+      <p:sp>
+        <p:nvSpPr>
+          <p:cNvPr id="7" name="文本框 6"/>
+          <p:cNvSpPr txBox="1"/>
+          <p:nvPr/>
+        </p:nvSpPr>
+        <p:spPr>
+          <a:xfrm>
+            <a:off x="5711668" y="482863"/>
+            <a:ext cx="1340406" cy="369332"/>
+          </a:xfrm>
+          <a:prstGeom prst="rect">
+            <a:avLst/>
+          </a:prstGeom>
+          <a:noFill/>
+        </p:spPr>
+        <p:txBody>
+          <a:bodyPr wrap="none" rtlCol="0">
+            <a:spAutoFit/>
+          </a:bodyPr>
+          <a:lstStyle/>
+          <a:p>
+            <a:r>
+              <a:rPr kumimoji="1" lang="zh-CN" altLang="en-US" dirty="0" smtClean="0"/>
+              <a:t>引用计数</a:t>
+            </a:r>
+            <a:r>
+              <a:rPr kumimoji="1" lang="zh-CN" altLang="zh-CN" dirty="0"/>
+              <a:t>=</a:t>
+            </a:r>
+            <a:r>
+              <a:rPr kumimoji="1" lang="en-US" altLang="zh-CN" dirty="0" smtClean="0"/>
+              <a:t>1</a:t>
+            </a:r>
+            <a:endParaRPr kumimoji="1" lang="zh-CN" altLang="en-US" dirty="0"/>
+          </a:p>
+        </p:txBody>
+      </p:sp>
+      <p:sp>
+        <p:nvSpPr>
+          <p:cNvPr id="8" name="文本框 7"/>
+          <p:cNvSpPr txBox="1"/>
+          <p:nvPr/>
+        </p:nvSpPr>
+        <p:spPr>
+          <a:xfrm>
+            <a:off x="3012086" y="164738"/>
+            <a:ext cx="1107996" cy="369332"/>
+          </a:xfrm>
+          <a:prstGeom prst="rect">
+            <a:avLst/>
+          </a:prstGeom>
+          <a:noFill/>
+        </p:spPr>
+        <p:txBody>
+          <a:bodyPr wrap="none" rtlCol="0">
+            <a:spAutoFit/>
+          </a:bodyPr>
+          <a:lstStyle/>
+          <a:p>
+            <a:r>
+              <a:rPr kumimoji="1" lang="zh-CN" altLang="en-US" dirty="0" smtClean="0"/>
+              <a:t>创建对象</a:t>
+            </a:r>
+            <a:endParaRPr kumimoji="1" lang="zh-CN" altLang="en-US" dirty="0"/>
+          </a:p>
+        </p:txBody>
+      </p:sp>
+      <p:cxnSp>
+        <p:nvCxnSpPr>
+          <p:cNvPr id="10" name="直线箭头连接符 9"/>
+          <p:cNvCxnSpPr/>
+          <p:nvPr/>
+        </p:nvCxnSpPr>
+        <p:spPr>
+          <a:xfrm flipV="1">
+            <a:off x="2505984" y="667529"/>
+            <a:ext cx="2120200" cy="20483"/>
+          </a:xfrm>
+          <a:prstGeom prst="straightConnector1">
+            <a:avLst/>
+          </a:prstGeom>
+          <a:ln>
+            <a:solidFill>
+              <a:schemeClr val="tx1"/>
+            </a:solidFill>
+            <a:tailEnd type="arrow"/>
+          </a:ln>
+        </p:spPr>
+        <p:style>
+          <a:lnRef idx="2">
+            <a:schemeClr val="accent1"/>
+          </a:lnRef>
+          <a:fillRef idx="0">
+            <a:schemeClr val="accent1"/>
+          </a:fillRef>
+          <a:effectRef idx="1">
+            <a:schemeClr val="accent1"/>
+          </a:effectRef>
+          <a:fontRef idx="minor">
+            <a:schemeClr val="tx1"/>
+          </a:fontRef>
+        </p:style>
+      </p:cxnSp>
+      <p:sp>
+        <p:nvSpPr>
+          <p:cNvPr id="11" name="矩形 10"/>
+          <p:cNvSpPr/>
+          <p:nvPr/>
+        </p:nvSpPr>
+        <p:spPr>
+          <a:xfrm>
+            <a:off x="1209404" y="994474"/>
+            <a:ext cx="6375055" cy="45719"/>
+          </a:xfrm>
+          <a:prstGeom prst="rect">
+            <a:avLst/>
+          </a:prstGeom>
+          <a:solidFill>
+            <a:schemeClr val="bg1">
+              <a:lumMod val="50000"/>
+            </a:schemeClr>
+          </a:solidFill>
+          <a:ln>
+            <a:solidFill>
+              <a:schemeClr val="bg1">
+                <a:lumMod val="50000"/>
+              </a:schemeClr>
+            </a:solidFill>
+          </a:ln>
+        </p:spPr>
+        <p:style>
+          <a:lnRef idx="1">
+            <a:schemeClr val="accent1"/>
+          </a:lnRef>
+          <a:fillRef idx="3">
+            <a:schemeClr val="accent1"/>
+          </a:fillRef>
+          <a:effectRef idx="2">
+            <a:schemeClr val="accent1"/>
+          </a:effectRef>
+          <a:fontRef idx="minor">
+            <a:schemeClr val="lt1"/>
+          </a:fontRef>
+        </p:style>
+        <p:txBody>
+          <a:bodyPr rtlCol="0" anchor="ctr"/>
+          <a:lstStyle/>
+          <a:p>
+            <a:pPr algn="ctr"/>
+            <a:endParaRPr kumimoji="1" lang="zh-CN" altLang="en-US"/>
+          </a:p>
+        </p:txBody>
+      </p:sp>
+      <p:sp>
+        <p:nvSpPr>
+          <p:cNvPr id="12" name="圆角矩形 11"/>
+          <p:cNvSpPr/>
+          <p:nvPr/>
+        </p:nvSpPr>
+        <p:spPr>
+          <a:xfrm>
+            <a:off x="1480831" y="1156297"/>
+            <a:ext cx="891098" cy="491595"/>
+          </a:xfrm>
+          <a:prstGeom prst="roundRect">
+            <a:avLst/>
+          </a:prstGeom>
+        </p:spPr>
+        <p:style>
+          <a:lnRef idx="1">
+            <a:schemeClr val="accent1"/>
+          </a:lnRef>
+          <a:fillRef idx="3">
+            <a:schemeClr val="accent1"/>
+          </a:fillRef>
+          <a:effectRef idx="2">
+            <a:schemeClr val="accent1"/>
+          </a:effectRef>
+          <a:fontRef idx="minor">
+            <a:schemeClr val="lt1"/>
+          </a:fontRef>
+        </p:style>
+        <p:txBody>
+          <a:bodyPr rtlCol="0" anchor="ctr"/>
+          <a:lstStyle/>
+          <a:p>
+            <a:pPr algn="ctr"/>
+            <a:r>
+              <a:rPr kumimoji="1" lang="zh-CN" altLang="en-US" dirty="0" smtClean="0"/>
+              <a:t>对象</a:t>
+            </a:r>
+            <a:r>
+              <a:rPr kumimoji="1" lang="en-US" altLang="zh-CN" dirty="0" smtClean="0"/>
+              <a:t>A</a:t>
+            </a:r>
+            <a:endParaRPr kumimoji="1" lang="zh-CN" altLang="en-US" dirty="0"/>
+          </a:p>
+        </p:txBody>
+      </p:sp>
+      <p:sp>
+        <p:nvSpPr>
+          <p:cNvPr id="13" name="圆角矩形 12"/>
+          <p:cNvSpPr/>
+          <p:nvPr/>
+        </p:nvSpPr>
+        <p:spPr>
+          <a:xfrm>
+            <a:off x="4721348" y="1249196"/>
+            <a:ext cx="891098" cy="491595"/>
+          </a:xfrm>
+          <a:prstGeom prst="roundRect">
+            <a:avLst/>
+          </a:prstGeom>
+        </p:spPr>
+        <p:style>
+          <a:lnRef idx="1">
+            <a:schemeClr val="accent1"/>
+          </a:lnRef>
+          <a:fillRef idx="3">
+            <a:schemeClr val="accent1"/>
+          </a:fillRef>
+          <a:effectRef idx="2">
+            <a:schemeClr val="accent1"/>
+          </a:effectRef>
+          <a:fontRef idx="minor">
+            <a:schemeClr val="lt1"/>
+          </a:fontRef>
+        </p:style>
+        <p:txBody>
+          <a:bodyPr rtlCol="0" anchor="ctr"/>
+          <a:lstStyle/>
+          <a:p>
+            <a:pPr algn="ctr"/>
+            <a:r>
+              <a:rPr kumimoji="1" lang="zh-CN" altLang="en-US" dirty="0" smtClean="0"/>
+              <a:t>对象</a:t>
+            </a:r>
+            <a:r>
+              <a:rPr kumimoji="1" lang="zh-CN" altLang="zh-CN" dirty="0"/>
+              <a:t>M</a:t>
+            </a:r>
+            <a:endParaRPr kumimoji="1" lang="zh-CN" altLang="en-US" dirty="0"/>
+          </a:p>
+        </p:txBody>
+      </p:sp>
+      <p:sp>
+        <p:nvSpPr>
+          <p:cNvPr id="14" name="文本框 13"/>
+          <p:cNvSpPr txBox="1"/>
+          <p:nvPr/>
+        </p:nvSpPr>
+        <p:spPr>
+          <a:xfrm>
+            <a:off x="5711894" y="1288861"/>
+            <a:ext cx="1339955" cy="369332"/>
+          </a:xfrm>
+          <a:prstGeom prst="rect">
+            <a:avLst/>
+          </a:prstGeom>
+          <a:noFill/>
+        </p:spPr>
+        <p:txBody>
+          <a:bodyPr wrap="none" rtlCol="0">
+            <a:spAutoFit/>
+          </a:bodyPr>
+          <a:lstStyle/>
+          <a:p>
+            <a:r>
+              <a:rPr kumimoji="1" lang="zh-CN" altLang="en-US" dirty="0" smtClean="0"/>
+              <a:t>引用计数</a:t>
+            </a:r>
+            <a:r>
+              <a:rPr kumimoji="1" lang="en-US" altLang="zh-CN" dirty="0" smtClean="0"/>
+              <a:t>=2</a:t>
+            </a:r>
+            <a:endParaRPr kumimoji="1" lang="zh-CN" altLang="en-US" dirty="0"/>
+          </a:p>
+        </p:txBody>
+      </p:sp>
+      <p:cxnSp>
+        <p:nvCxnSpPr>
+          <p:cNvPr id="16" name="直线箭头连接符 15"/>
+          <p:cNvCxnSpPr/>
+          <p:nvPr/>
+        </p:nvCxnSpPr>
+        <p:spPr>
+          <a:xfrm flipV="1">
+            <a:off x="2505984" y="1473527"/>
+            <a:ext cx="2120200" cy="20483"/>
+          </a:xfrm>
+          <a:prstGeom prst="straightConnector1">
+            <a:avLst/>
+          </a:prstGeom>
+          <a:ln>
+            <a:solidFill>
+              <a:schemeClr val="tx1"/>
+            </a:solidFill>
+            <a:tailEnd type="arrow"/>
+          </a:ln>
+        </p:spPr>
+        <p:style>
+          <a:lnRef idx="2">
+            <a:schemeClr val="accent1"/>
+          </a:lnRef>
+          <a:fillRef idx="0">
+            <a:schemeClr val="accent1"/>
+          </a:fillRef>
+          <a:effectRef idx="1">
+            <a:schemeClr val="accent1"/>
+          </a:effectRef>
+          <a:fontRef idx="minor">
+            <a:schemeClr val="tx1"/>
+          </a:fontRef>
+        </p:style>
+      </p:cxnSp>
+      <p:sp>
+        <p:nvSpPr>
+          <p:cNvPr id="18" name="圆角矩形 17"/>
+          <p:cNvSpPr/>
+          <p:nvPr/>
+        </p:nvSpPr>
+        <p:spPr>
+          <a:xfrm>
+            <a:off x="1480831" y="1800292"/>
+            <a:ext cx="891098" cy="491595"/>
+          </a:xfrm>
+          <a:prstGeom prst="roundRect">
+            <a:avLst/>
+          </a:prstGeom>
+        </p:spPr>
+        <p:style>
+          <a:lnRef idx="1">
+            <a:schemeClr val="accent1"/>
+          </a:lnRef>
+          <a:fillRef idx="3">
+            <a:schemeClr val="accent1"/>
+          </a:fillRef>
+          <a:effectRef idx="2">
+            <a:schemeClr val="accent1"/>
+          </a:effectRef>
+          <a:fontRef idx="minor">
+            <a:schemeClr val="lt1"/>
+          </a:fontRef>
+        </p:style>
+        <p:txBody>
+          <a:bodyPr rtlCol="0" anchor="ctr"/>
+          <a:lstStyle/>
+          <a:p>
+            <a:pPr algn="ctr"/>
+            <a:r>
+              <a:rPr kumimoji="1" lang="zh-CN" altLang="en-US" dirty="0" smtClean="0"/>
+              <a:t>对象</a:t>
+            </a:r>
+            <a:r>
+              <a:rPr kumimoji="1" lang="en-US" altLang="zh-CN" dirty="0" smtClean="0"/>
+              <a:t>B</a:t>
+            </a:r>
+            <a:endParaRPr kumimoji="1" lang="zh-CN" altLang="en-US" dirty="0"/>
+          </a:p>
+        </p:txBody>
+      </p:sp>
+      <p:cxnSp>
+        <p:nvCxnSpPr>
+          <p:cNvPr id="19" name="直线箭头连接符 18"/>
+          <p:cNvCxnSpPr/>
+          <p:nvPr/>
+        </p:nvCxnSpPr>
+        <p:spPr>
+          <a:xfrm flipV="1">
+            <a:off x="2505984" y="1625929"/>
+            <a:ext cx="2120200" cy="491594"/>
+          </a:xfrm>
+          <a:prstGeom prst="straightConnector1">
+            <a:avLst/>
+          </a:prstGeom>
+          <a:ln>
+            <a:solidFill>
+              <a:schemeClr val="tx1"/>
+            </a:solidFill>
+            <a:tailEnd type="arrow"/>
+          </a:ln>
+        </p:spPr>
+        <p:style>
+          <a:lnRef idx="2">
+            <a:schemeClr val="accent1"/>
+          </a:lnRef>
+          <a:fillRef idx="0">
+            <a:schemeClr val="accent1"/>
+          </a:fillRef>
+          <a:effectRef idx="1">
+            <a:schemeClr val="accent1"/>
+          </a:effectRef>
+          <a:fontRef idx="minor">
+            <a:schemeClr val="tx1"/>
+          </a:fontRef>
+        </p:style>
+      </p:cxnSp>
+      <p:sp>
+        <p:nvSpPr>
+          <p:cNvPr id="22" name="文本框 21"/>
+          <p:cNvSpPr txBox="1"/>
+          <p:nvPr/>
+        </p:nvSpPr>
+        <p:spPr>
+          <a:xfrm>
+            <a:off x="3012086" y="1932857"/>
+            <a:ext cx="1107996" cy="369332"/>
+          </a:xfrm>
+          <a:prstGeom prst="rect">
+            <a:avLst/>
+          </a:prstGeom>
+          <a:noFill/>
+        </p:spPr>
+        <p:txBody>
+          <a:bodyPr wrap="none" rtlCol="0">
+            <a:spAutoFit/>
+          </a:bodyPr>
+          <a:lstStyle/>
+          <a:p>
+            <a:r>
+              <a:rPr kumimoji="1" lang="zh-CN" altLang="en-US" dirty="0" smtClean="0"/>
+              <a:t>持有对象</a:t>
+            </a:r>
+            <a:endParaRPr kumimoji="1" lang="zh-CN" altLang="en-US" dirty="0"/>
+          </a:p>
+        </p:txBody>
+      </p:sp>
+      <p:sp>
+        <p:nvSpPr>
+          <p:cNvPr id="24" name="圆角矩形 23"/>
+          <p:cNvSpPr/>
+          <p:nvPr/>
+        </p:nvSpPr>
+        <p:spPr>
+          <a:xfrm>
+            <a:off x="1480831" y="2784117"/>
+            <a:ext cx="891098" cy="491595"/>
+          </a:xfrm>
+          <a:prstGeom prst="roundRect">
+            <a:avLst/>
+          </a:prstGeom>
+        </p:spPr>
+        <p:style>
+          <a:lnRef idx="1">
+            <a:schemeClr val="accent1"/>
+          </a:lnRef>
+          <a:fillRef idx="3">
+            <a:schemeClr val="accent1"/>
+          </a:fillRef>
+          <a:effectRef idx="2">
+            <a:schemeClr val="accent1"/>
+          </a:effectRef>
+          <a:fontRef idx="minor">
+            <a:schemeClr val="lt1"/>
+          </a:fontRef>
+        </p:style>
+        <p:txBody>
+          <a:bodyPr rtlCol="0" anchor="ctr"/>
+          <a:lstStyle/>
+          <a:p>
+            <a:pPr algn="ctr"/>
+            <a:r>
+              <a:rPr kumimoji="1" lang="zh-CN" altLang="en-US" dirty="0" smtClean="0"/>
+              <a:t>对象</a:t>
+            </a:r>
+            <a:r>
+              <a:rPr kumimoji="1" lang="en-US" altLang="zh-CN" dirty="0" smtClean="0"/>
+              <a:t>A</a:t>
+            </a:r>
+            <a:endParaRPr kumimoji="1" lang="zh-CN" altLang="en-US" dirty="0"/>
+          </a:p>
+        </p:txBody>
+      </p:sp>
+      <p:sp>
+        <p:nvSpPr>
+          <p:cNvPr id="25" name="圆角矩形 24"/>
+          <p:cNvSpPr/>
+          <p:nvPr/>
+        </p:nvSpPr>
+        <p:spPr>
+          <a:xfrm>
+            <a:off x="4721348" y="2877016"/>
+            <a:ext cx="891098" cy="491595"/>
+          </a:xfrm>
+          <a:prstGeom prst="roundRect">
+            <a:avLst/>
+          </a:prstGeom>
+        </p:spPr>
+        <p:style>
+          <a:lnRef idx="1">
+            <a:schemeClr val="accent1"/>
+          </a:lnRef>
+          <a:fillRef idx="3">
+            <a:schemeClr val="accent1"/>
+          </a:fillRef>
+          <a:effectRef idx="2">
+            <a:schemeClr val="accent1"/>
+          </a:effectRef>
+          <a:fontRef idx="minor">
+            <a:schemeClr val="lt1"/>
+          </a:fontRef>
+        </p:style>
+        <p:txBody>
+          <a:bodyPr rtlCol="0" anchor="ctr"/>
+          <a:lstStyle/>
+          <a:p>
+            <a:pPr algn="ctr"/>
+            <a:r>
+              <a:rPr kumimoji="1" lang="zh-CN" altLang="en-US" dirty="0" smtClean="0"/>
+              <a:t>对象</a:t>
+            </a:r>
+            <a:r>
+              <a:rPr kumimoji="1" lang="zh-CN" altLang="zh-CN" dirty="0"/>
+              <a:t>M</a:t>
+            </a:r>
+            <a:endParaRPr kumimoji="1" lang="zh-CN" altLang="en-US" dirty="0"/>
+          </a:p>
+        </p:txBody>
+      </p:sp>
+      <p:sp>
+        <p:nvSpPr>
+          <p:cNvPr id="26" name="文本框 25"/>
+          <p:cNvSpPr txBox="1"/>
+          <p:nvPr/>
+        </p:nvSpPr>
+        <p:spPr>
+          <a:xfrm>
+            <a:off x="5711894" y="2916681"/>
+            <a:ext cx="1339955" cy="369332"/>
+          </a:xfrm>
+          <a:prstGeom prst="rect">
+            <a:avLst/>
+          </a:prstGeom>
+          <a:noFill/>
+        </p:spPr>
+        <p:txBody>
+          <a:bodyPr wrap="none" rtlCol="0">
+            <a:spAutoFit/>
+          </a:bodyPr>
+          <a:lstStyle/>
+          <a:p>
+            <a:r>
+              <a:rPr kumimoji="1" lang="zh-CN" altLang="en-US" dirty="0" smtClean="0"/>
+              <a:t>引用计数</a:t>
+            </a:r>
+            <a:r>
+              <a:rPr kumimoji="1" lang="en-US" altLang="zh-CN" dirty="0" smtClean="0"/>
+              <a:t>=1</a:t>
+            </a:r>
+            <a:endParaRPr kumimoji="1" lang="zh-CN" altLang="en-US" dirty="0"/>
+          </a:p>
+        </p:txBody>
+      </p:sp>
+      <p:cxnSp>
+        <p:nvCxnSpPr>
+          <p:cNvPr id="27" name="直线箭头连接符 26"/>
+          <p:cNvCxnSpPr/>
+          <p:nvPr/>
+        </p:nvCxnSpPr>
+        <p:spPr>
+          <a:xfrm flipV="1">
+            <a:off x="2505984" y="3101347"/>
+            <a:ext cx="2120200" cy="20483"/>
+          </a:xfrm>
+          <a:prstGeom prst="straightConnector1">
+            <a:avLst/>
+          </a:prstGeom>
+          <a:ln>
+            <a:tailEnd type="arrow"/>
+          </a:ln>
+        </p:spPr>
+        <p:style>
+          <a:lnRef idx="1">
+            <a:schemeClr val="accent3"/>
+          </a:lnRef>
+          <a:fillRef idx="0">
+            <a:schemeClr val="accent3"/>
+          </a:fillRef>
+          <a:effectRef idx="0">
+            <a:schemeClr val="accent3"/>
+          </a:effectRef>
+          <a:fontRef idx="minor">
+            <a:schemeClr val="tx1"/>
+          </a:fontRef>
+        </p:style>
+      </p:cxnSp>
+      <p:sp>
+        <p:nvSpPr>
+          <p:cNvPr id="29" name="圆角矩形 28"/>
+          <p:cNvSpPr/>
+          <p:nvPr/>
+        </p:nvSpPr>
+        <p:spPr>
+          <a:xfrm>
+            <a:off x="1480831" y="3428112"/>
+            <a:ext cx="891098" cy="491595"/>
+          </a:xfrm>
+          <a:prstGeom prst="roundRect">
+            <a:avLst/>
+          </a:prstGeom>
+        </p:spPr>
+        <p:style>
+          <a:lnRef idx="1">
+            <a:schemeClr val="accent1"/>
+          </a:lnRef>
+          <a:fillRef idx="3">
+            <a:schemeClr val="accent1"/>
+          </a:fillRef>
+          <a:effectRef idx="2">
+            <a:schemeClr val="accent1"/>
+          </a:effectRef>
+          <a:fontRef idx="minor">
+            <a:schemeClr val="lt1"/>
+          </a:fontRef>
+        </p:style>
+        <p:txBody>
+          <a:bodyPr rtlCol="0" anchor="ctr"/>
+          <a:lstStyle/>
+          <a:p>
+            <a:pPr algn="ctr"/>
+            <a:r>
+              <a:rPr kumimoji="1" lang="zh-CN" altLang="en-US" dirty="0" smtClean="0"/>
+              <a:t>对象</a:t>
+            </a:r>
+            <a:r>
+              <a:rPr kumimoji="1" lang="en-US" altLang="zh-CN" dirty="0" smtClean="0"/>
+              <a:t>B</a:t>
+            </a:r>
+            <a:endParaRPr kumimoji="1" lang="zh-CN" altLang="en-US" dirty="0"/>
+          </a:p>
+        </p:txBody>
+      </p:sp>
+      <p:cxnSp>
+        <p:nvCxnSpPr>
+          <p:cNvPr id="30" name="直线箭头连接符 29"/>
+          <p:cNvCxnSpPr/>
+          <p:nvPr/>
+        </p:nvCxnSpPr>
+        <p:spPr>
+          <a:xfrm flipV="1">
+            <a:off x="2505984" y="3253749"/>
+            <a:ext cx="2120200" cy="491594"/>
+          </a:xfrm>
+          <a:prstGeom prst="straightConnector1">
+            <a:avLst/>
+          </a:prstGeom>
+          <a:ln>
+            <a:solidFill>
+              <a:schemeClr val="tx1"/>
+            </a:solidFill>
+            <a:tailEnd type="arrow"/>
+          </a:ln>
+        </p:spPr>
+        <p:style>
+          <a:lnRef idx="2">
+            <a:schemeClr val="accent1"/>
+          </a:lnRef>
+          <a:fillRef idx="0">
+            <a:schemeClr val="accent1"/>
+          </a:fillRef>
+          <a:effectRef idx="1">
+            <a:schemeClr val="accent1"/>
+          </a:effectRef>
+          <a:fontRef idx="minor">
+            <a:schemeClr val="tx1"/>
+          </a:fontRef>
+        </p:style>
+      </p:cxnSp>
+      <p:sp>
+        <p:nvSpPr>
+          <p:cNvPr id="31" name="文本框 30"/>
+          <p:cNvSpPr txBox="1"/>
+          <p:nvPr/>
+        </p:nvSpPr>
+        <p:spPr>
+          <a:xfrm>
+            <a:off x="3012086" y="2670884"/>
+            <a:ext cx="1107996" cy="369332"/>
+          </a:xfrm>
+          <a:prstGeom prst="rect">
+            <a:avLst/>
+          </a:prstGeom>
+          <a:noFill/>
+        </p:spPr>
+        <p:txBody>
+          <a:bodyPr wrap="none" rtlCol="0">
+            <a:spAutoFit/>
+          </a:bodyPr>
+          <a:lstStyle/>
+          <a:p>
+            <a:r>
+              <a:rPr kumimoji="1" lang="zh-CN" altLang="en-US" dirty="0" smtClean="0"/>
+              <a:t>释放对象</a:t>
+            </a:r>
+            <a:endParaRPr kumimoji="1" lang="zh-CN" altLang="en-US" dirty="0"/>
+          </a:p>
+        </p:txBody>
+      </p:sp>
+      <p:sp>
+        <p:nvSpPr>
+          <p:cNvPr id="32" name="圆角矩形 31"/>
+          <p:cNvSpPr/>
+          <p:nvPr/>
+        </p:nvSpPr>
+        <p:spPr>
+          <a:xfrm>
+            <a:off x="1480831" y="4235791"/>
+            <a:ext cx="891098" cy="491595"/>
+          </a:xfrm>
+          <a:prstGeom prst="roundRect">
+            <a:avLst/>
+          </a:prstGeom>
+        </p:spPr>
+        <p:style>
+          <a:lnRef idx="1">
+            <a:schemeClr val="accent1"/>
+          </a:lnRef>
+          <a:fillRef idx="3">
+            <a:schemeClr val="accent1"/>
+          </a:fillRef>
+          <a:effectRef idx="2">
+            <a:schemeClr val="accent1"/>
+          </a:effectRef>
+          <a:fontRef idx="minor">
+            <a:schemeClr val="lt1"/>
+          </a:fontRef>
+        </p:style>
+        <p:txBody>
+          <a:bodyPr rtlCol="0" anchor="ctr"/>
+          <a:lstStyle/>
+          <a:p>
+            <a:pPr algn="ctr"/>
+            <a:r>
+              <a:rPr kumimoji="1" lang="zh-CN" altLang="en-US" dirty="0" smtClean="0"/>
+              <a:t>对象</a:t>
+            </a:r>
+            <a:r>
+              <a:rPr kumimoji="1" lang="en-US" altLang="zh-CN" dirty="0" smtClean="0"/>
+              <a:t>A</a:t>
+            </a:r>
+            <a:endParaRPr kumimoji="1" lang="zh-CN" altLang="en-US" dirty="0"/>
+          </a:p>
+        </p:txBody>
+      </p:sp>
+      <p:sp>
+        <p:nvSpPr>
+          <p:cNvPr id="33" name="圆角矩形 32"/>
+          <p:cNvSpPr/>
+          <p:nvPr/>
+        </p:nvSpPr>
+        <p:spPr>
+          <a:xfrm>
+            <a:off x="4721348" y="4328690"/>
+            <a:ext cx="891098" cy="491595"/>
+          </a:xfrm>
+          <a:prstGeom prst="roundRect">
+            <a:avLst/>
+          </a:prstGeom>
+        </p:spPr>
+        <p:style>
+          <a:lnRef idx="1">
+            <a:schemeClr val="accent1"/>
+          </a:lnRef>
+          <a:fillRef idx="3">
+            <a:schemeClr val="accent1"/>
+          </a:fillRef>
+          <a:effectRef idx="2">
+            <a:schemeClr val="accent1"/>
+          </a:effectRef>
+          <a:fontRef idx="minor">
+            <a:schemeClr val="lt1"/>
+          </a:fontRef>
+        </p:style>
+        <p:txBody>
+          <a:bodyPr rtlCol="0" anchor="ctr"/>
+          <a:lstStyle/>
+          <a:p>
+            <a:pPr algn="ctr"/>
+            <a:r>
+              <a:rPr kumimoji="1" lang="zh-CN" altLang="en-US" dirty="0" smtClean="0"/>
+              <a:t>对象</a:t>
+            </a:r>
+            <a:r>
+              <a:rPr kumimoji="1" lang="zh-CN" altLang="zh-CN" dirty="0"/>
+              <a:t>M</a:t>
+            </a:r>
+            <a:endParaRPr kumimoji="1" lang="zh-CN" altLang="en-US" dirty="0"/>
+          </a:p>
+        </p:txBody>
+      </p:sp>
+      <p:sp>
+        <p:nvSpPr>
+          <p:cNvPr id="34" name="文本框 33"/>
+          <p:cNvSpPr txBox="1"/>
+          <p:nvPr/>
+        </p:nvSpPr>
+        <p:spPr>
+          <a:xfrm>
+            <a:off x="5711894" y="4368355"/>
+            <a:ext cx="1339955" cy="369332"/>
+          </a:xfrm>
+          <a:prstGeom prst="rect">
+            <a:avLst/>
+          </a:prstGeom>
+          <a:noFill/>
+        </p:spPr>
+        <p:txBody>
+          <a:bodyPr wrap="none" rtlCol="0">
+            <a:spAutoFit/>
+          </a:bodyPr>
+          <a:lstStyle/>
+          <a:p>
+            <a:r>
+              <a:rPr kumimoji="1" lang="zh-CN" altLang="en-US" dirty="0" smtClean="0"/>
+              <a:t>引用计数</a:t>
+            </a:r>
+            <a:r>
+              <a:rPr kumimoji="1" lang="en-US" altLang="zh-CN" dirty="0" smtClean="0"/>
+              <a:t>=0</a:t>
+            </a:r>
+            <a:endParaRPr kumimoji="1" lang="zh-CN" altLang="en-US" dirty="0"/>
+          </a:p>
+        </p:txBody>
+      </p:sp>
+      <p:cxnSp>
+        <p:nvCxnSpPr>
+          <p:cNvPr id="35" name="直线箭头连接符 34"/>
+          <p:cNvCxnSpPr/>
+          <p:nvPr/>
+        </p:nvCxnSpPr>
+        <p:spPr>
+          <a:xfrm flipV="1">
+            <a:off x="2505984" y="4553021"/>
+            <a:ext cx="2120200" cy="20483"/>
+          </a:xfrm>
+          <a:prstGeom prst="straightConnector1">
+            <a:avLst/>
+          </a:prstGeom>
+          <a:ln>
+            <a:tailEnd type="arrow"/>
+          </a:ln>
+        </p:spPr>
+        <p:style>
+          <a:lnRef idx="1">
+            <a:schemeClr val="accent3"/>
+          </a:lnRef>
+          <a:fillRef idx="0">
+            <a:schemeClr val="accent3"/>
+          </a:fillRef>
+          <a:effectRef idx="0">
+            <a:schemeClr val="accent3"/>
+          </a:effectRef>
+          <a:fontRef idx="minor">
+            <a:schemeClr val="tx1"/>
+          </a:fontRef>
+        </p:style>
+      </p:cxnSp>
+      <p:sp>
+        <p:nvSpPr>
+          <p:cNvPr id="37" name="圆角矩形 36"/>
+          <p:cNvSpPr/>
+          <p:nvPr/>
+        </p:nvSpPr>
+        <p:spPr>
+          <a:xfrm>
+            <a:off x="1480831" y="4879786"/>
+            <a:ext cx="891098" cy="491595"/>
+          </a:xfrm>
+          <a:prstGeom prst="roundRect">
+            <a:avLst/>
+          </a:prstGeom>
+        </p:spPr>
+        <p:style>
+          <a:lnRef idx="1">
+            <a:schemeClr val="accent1"/>
+          </a:lnRef>
+          <a:fillRef idx="3">
+            <a:schemeClr val="accent1"/>
+          </a:fillRef>
+          <a:effectRef idx="2">
+            <a:schemeClr val="accent1"/>
+          </a:effectRef>
+          <a:fontRef idx="minor">
+            <a:schemeClr val="lt1"/>
+          </a:fontRef>
+        </p:style>
+        <p:txBody>
+          <a:bodyPr rtlCol="0" anchor="ctr"/>
+          <a:lstStyle/>
+          <a:p>
+            <a:pPr algn="ctr"/>
+            <a:r>
+              <a:rPr kumimoji="1" lang="zh-CN" altLang="en-US" dirty="0" smtClean="0"/>
+              <a:t>对象</a:t>
+            </a:r>
+            <a:r>
+              <a:rPr kumimoji="1" lang="en-US" altLang="zh-CN" dirty="0" smtClean="0"/>
+              <a:t>B</a:t>
+            </a:r>
+            <a:endParaRPr kumimoji="1" lang="zh-CN" altLang="en-US" dirty="0"/>
+          </a:p>
+        </p:txBody>
+      </p:sp>
+      <p:cxnSp>
+        <p:nvCxnSpPr>
+          <p:cNvPr id="38" name="直线箭头连接符 37"/>
+          <p:cNvCxnSpPr/>
+          <p:nvPr/>
+        </p:nvCxnSpPr>
+        <p:spPr>
+          <a:xfrm flipV="1">
+            <a:off x="2505984" y="4705423"/>
+            <a:ext cx="2120200" cy="491594"/>
+          </a:xfrm>
+          <a:prstGeom prst="straightConnector1">
+            <a:avLst/>
+          </a:prstGeom>
+          <a:ln>
+            <a:tailEnd type="arrow"/>
+          </a:ln>
+        </p:spPr>
+        <p:style>
+          <a:lnRef idx="1">
+            <a:schemeClr val="accent3"/>
+          </a:lnRef>
+          <a:fillRef idx="0">
+            <a:schemeClr val="accent3"/>
+          </a:fillRef>
+          <a:effectRef idx="0">
+            <a:schemeClr val="accent3"/>
+          </a:effectRef>
+          <a:fontRef idx="minor">
+            <a:schemeClr val="tx1"/>
+          </a:fontRef>
+        </p:style>
+      </p:cxnSp>
+      <p:sp>
+        <p:nvSpPr>
+          <p:cNvPr id="39" name="文本框 38"/>
+          <p:cNvSpPr txBox="1"/>
+          <p:nvPr/>
+        </p:nvSpPr>
+        <p:spPr>
+          <a:xfrm>
+            <a:off x="3012086" y="5012351"/>
+            <a:ext cx="1107996" cy="369332"/>
+          </a:xfrm>
+          <a:prstGeom prst="rect">
+            <a:avLst/>
+          </a:prstGeom>
+          <a:noFill/>
+        </p:spPr>
+        <p:txBody>
+          <a:bodyPr wrap="none" rtlCol="0">
+            <a:spAutoFit/>
+          </a:bodyPr>
+          <a:lstStyle/>
+          <a:p>
+            <a:r>
+              <a:rPr kumimoji="1" lang="zh-CN" altLang="en-US" dirty="0" smtClean="0"/>
+              <a:t>释放对象</a:t>
+            </a:r>
+            <a:endParaRPr kumimoji="1" lang="zh-CN" altLang="en-US" dirty="0"/>
+          </a:p>
+        </p:txBody>
+      </p:sp>
+      <p:sp>
+        <p:nvSpPr>
+          <p:cNvPr id="40" name="圆角矩形 39"/>
+          <p:cNvSpPr/>
+          <p:nvPr/>
+        </p:nvSpPr>
+        <p:spPr>
+          <a:xfrm>
+            <a:off x="1480831" y="5847699"/>
+            <a:ext cx="891098" cy="460870"/>
+          </a:xfrm>
+          <a:prstGeom prst="roundRect">
+            <a:avLst/>
+          </a:prstGeom>
+        </p:spPr>
+        <p:style>
+          <a:lnRef idx="2">
+            <a:schemeClr val="accent3"/>
+          </a:lnRef>
+          <a:fillRef idx="1">
+            <a:schemeClr val="lt1"/>
+          </a:fillRef>
+          <a:effectRef idx="0">
+            <a:schemeClr val="accent3"/>
+          </a:effectRef>
+          <a:fontRef idx="minor">
+            <a:schemeClr val="dk1"/>
+          </a:fontRef>
+        </p:style>
+        <p:txBody>
+          <a:bodyPr rtlCol="0" anchor="ctr"/>
+          <a:lstStyle/>
+          <a:p>
+            <a:pPr algn="ctr"/>
+            <a:r>
+              <a:rPr kumimoji="1" lang="zh-CN" altLang="en-US" dirty="0" smtClean="0">
+                <a:solidFill>
+                  <a:schemeClr val="accent3"/>
+                </a:solidFill>
+              </a:rPr>
+              <a:t>对象</a:t>
+            </a:r>
+            <a:r>
+              <a:rPr kumimoji="1" lang="zh-CN" altLang="zh-CN" dirty="0">
+                <a:solidFill>
+                  <a:schemeClr val="accent3"/>
+                </a:solidFill>
+              </a:rPr>
+              <a:t>M</a:t>
+            </a:r>
+            <a:endParaRPr kumimoji="1" lang="zh-CN" altLang="en-US" dirty="0">
+              <a:solidFill>
+                <a:schemeClr val="accent3"/>
+              </a:solidFill>
+            </a:endParaRPr>
+          </a:p>
+        </p:txBody>
+      </p:sp>
+      <p:sp>
+        <p:nvSpPr>
+          <p:cNvPr id="41" name="文本框 40"/>
+          <p:cNvSpPr txBox="1"/>
+          <p:nvPr/>
+        </p:nvSpPr>
+        <p:spPr>
+          <a:xfrm>
+            <a:off x="2596588" y="5939009"/>
+            <a:ext cx="646331" cy="369332"/>
+          </a:xfrm>
+          <a:prstGeom prst="rect">
+            <a:avLst/>
+          </a:prstGeom>
+          <a:noFill/>
+        </p:spPr>
+        <p:txBody>
+          <a:bodyPr wrap="none" rtlCol="0">
+            <a:spAutoFit/>
+          </a:bodyPr>
+          <a:lstStyle/>
+          <a:p>
+            <a:r>
+              <a:rPr kumimoji="1" lang="zh-CN" altLang="en-US" dirty="0" smtClean="0"/>
+              <a:t>释放</a:t>
+            </a:r>
+            <a:endParaRPr kumimoji="1" lang="zh-CN" altLang="en-US" dirty="0"/>
+          </a:p>
+        </p:txBody>
+      </p:sp>
+      <p:sp>
+        <p:nvSpPr>
+          <p:cNvPr id="42" name="矩形 41"/>
+          <p:cNvSpPr/>
+          <p:nvPr/>
+        </p:nvSpPr>
+        <p:spPr>
+          <a:xfrm>
+            <a:off x="1209855" y="2465270"/>
+            <a:ext cx="6375055" cy="45719"/>
+          </a:xfrm>
+          <a:prstGeom prst="rect">
+            <a:avLst/>
+          </a:prstGeom>
+          <a:solidFill>
+            <a:schemeClr val="bg1">
+              <a:lumMod val="50000"/>
+            </a:schemeClr>
+          </a:solidFill>
+          <a:ln>
+            <a:solidFill>
+              <a:schemeClr val="bg1">
+                <a:lumMod val="50000"/>
+              </a:schemeClr>
+            </a:solidFill>
+          </a:ln>
+        </p:spPr>
+        <p:style>
+          <a:lnRef idx="1">
+            <a:schemeClr val="accent1"/>
+          </a:lnRef>
+          <a:fillRef idx="3">
+            <a:schemeClr val="accent1"/>
+          </a:fillRef>
+          <a:effectRef idx="2">
+            <a:schemeClr val="accent1"/>
+          </a:effectRef>
+          <a:fontRef idx="minor">
+            <a:schemeClr val="lt1"/>
+          </a:fontRef>
+        </p:style>
+        <p:txBody>
+          <a:bodyPr rtlCol="0" anchor="ctr"/>
+          <a:lstStyle/>
+          <a:p>
+            <a:pPr algn="ctr"/>
+            <a:endParaRPr kumimoji="1" lang="zh-CN" altLang="en-US"/>
+          </a:p>
+        </p:txBody>
+      </p:sp>
+      <p:sp>
+        <p:nvSpPr>
+          <p:cNvPr id="43" name="矩形 42"/>
+          <p:cNvSpPr/>
+          <p:nvPr/>
+        </p:nvSpPr>
+        <p:spPr>
+          <a:xfrm>
+            <a:off x="1209855" y="4035576"/>
+            <a:ext cx="6375055" cy="45719"/>
+          </a:xfrm>
+          <a:prstGeom prst="rect">
+            <a:avLst/>
+          </a:prstGeom>
+          <a:solidFill>
+            <a:schemeClr val="bg1">
+              <a:lumMod val="50000"/>
+            </a:schemeClr>
+          </a:solidFill>
+          <a:ln>
+            <a:solidFill>
+              <a:schemeClr val="bg1">
+                <a:lumMod val="50000"/>
+              </a:schemeClr>
+            </a:solidFill>
+          </a:ln>
+        </p:spPr>
+        <p:style>
+          <a:lnRef idx="1">
+            <a:schemeClr val="accent1"/>
+          </a:lnRef>
+          <a:fillRef idx="3">
+            <a:schemeClr val="accent1"/>
+          </a:fillRef>
+          <a:effectRef idx="2">
+            <a:schemeClr val="accent1"/>
+          </a:effectRef>
+          <a:fontRef idx="minor">
+            <a:schemeClr val="lt1"/>
+          </a:fontRef>
+        </p:style>
+        <p:txBody>
+          <a:bodyPr rtlCol="0" anchor="ctr"/>
+          <a:lstStyle/>
+          <a:p>
+            <a:pPr algn="ctr"/>
+            <a:endParaRPr kumimoji="1" lang="zh-CN" altLang="en-US"/>
+          </a:p>
+        </p:txBody>
+      </p:sp>
+      <p:sp>
+        <p:nvSpPr>
+          <p:cNvPr id="44" name="矩形 43"/>
+          <p:cNvSpPr/>
+          <p:nvPr/>
+        </p:nvSpPr>
+        <p:spPr>
+          <a:xfrm>
+            <a:off x="1209855" y="5521468"/>
+            <a:ext cx="6375055" cy="45719"/>
+          </a:xfrm>
+          <a:prstGeom prst="rect">
+            <a:avLst/>
+          </a:prstGeom>
+          <a:solidFill>
+            <a:schemeClr val="bg1">
+              <a:lumMod val="50000"/>
+            </a:schemeClr>
+          </a:solidFill>
+          <a:ln>
+            <a:solidFill>
+              <a:schemeClr val="bg1">
+                <a:lumMod val="50000"/>
+              </a:schemeClr>
+            </a:solidFill>
+          </a:ln>
+        </p:spPr>
+        <p:style>
+          <a:lnRef idx="1">
+            <a:schemeClr val="accent1"/>
+          </a:lnRef>
+          <a:fillRef idx="3">
+            <a:schemeClr val="accent1"/>
+          </a:fillRef>
+          <a:effectRef idx="2">
+            <a:schemeClr val="accent1"/>
+          </a:effectRef>
+          <a:fontRef idx="minor">
+            <a:schemeClr val="lt1"/>
+          </a:fontRef>
+        </p:style>
+        <p:txBody>
+          <a:bodyPr rtlCol="0" anchor="ctr"/>
+          <a:lstStyle/>
+          <a:p>
+            <a:pPr algn="ctr"/>
+            <a:endParaRPr kumimoji="1" lang="zh-CN" altLang="en-US"/>
+          </a:p>
+        </p:txBody>
+      </p:sp>
+    </p:spTree>
+    <p:extLst>
+      <p:ext uri="{BB962C8B-B14F-4D97-AF65-F5344CB8AC3E}">
+        <p14:creationId xmlns:p14="http://schemas.microsoft.com/office/powerpoint/2010/main" val="2409311441"/>
       </p:ext>
     </p:extLst>
   </p:cSld>
